--- a/JsonWebDB.pptx
+++ b/JsonWebDB.pptx
@@ -104,6 +104,11 @@
       </a:defRPr>
     </a:lvl9pPr>
   </p:defaultTextStyle>
+  <p:extLst>
+    <p:ext uri="{EFAFB233-063F-42B5-8137-9DF3F51BA10A}">
+      <p15:sldGuideLst xmlns:p15="http://schemas.microsoft.com/office/powerpoint/2012/main"/>
+    </p:ext>
+  </p:extLst>
 </p:presentation>
 </file>
 
@@ -256,7 +261,7 @@
           <a:p>
             <a:fld id="{486AA96E-214A-424B-B8D1-8ECB9394F946}" type="datetimeFigureOut">
               <a:rPr lang="en-DK" smtClean="0"/>
-              <a:t>10/06/2024</a:t>
+              <a:t>11/06/2024</a:t>
             </a:fld>
             <a:endParaRPr lang="en-DK"/>
           </a:p>
@@ -456,7 +461,7 @@
           <a:p>
             <a:fld id="{486AA96E-214A-424B-B8D1-8ECB9394F946}" type="datetimeFigureOut">
               <a:rPr lang="en-DK" smtClean="0"/>
-              <a:t>10/06/2024</a:t>
+              <a:t>11/06/2024</a:t>
             </a:fld>
             <a:endParaRPr lang="en-DK"/>
           </a:p>
@@ -666,7 +671,7 @@
           <a:p>
             <a:fld id="{486AA96E-214A-424B-B8D1-8ECB9394F946}" type="datetimeFigureOut">
               <a:rPr lang="en-DK" smtClean="0"/>
-              <a:t>10/06/2024</a:t>
+              <a:t>11/06/2024</a:t>
             </a:fld>
             <a:endParaRPr lang="en-DK"/>
           </a:p>
@@ -866,7 +871,7 @@
           <a:p>
             <a:fld id="{486AA96E-214A-424B-B8D1-8ECB9394F946}" type="datetimeFigureOut">
               <a:rPr lang="en-DK" smtClean="0"/>
-              <a:t>10/06/2024</a:t>
+              <a:t>11/06/2024</a:t>
             </a:fld>
             <a:endParaRPr lang="en-DK"/>
           </a:p>
@@ -1142,7 +1147,7 @@
           <a:p>
             <a:fld id="{486AA96E-214A-424B-B8D1-8ECB9394F946}" type="datetimeFigureOut">
               <a:rPr lang="en-DK" smtClean="0"/>
-              <a:t>10/06/2024</a:t>
+              <a:t>11/06/2024</a:t>
             </a:fld>
             <a:endParaRPr lang="en-DK"/>
           </a:p>
@@ -1410,7 +1415,7 @@
           <a:p>
             <a:fld id="{486AA96E-214A-424B-B8D1-8ECB9394F946}" type="datetimeFigureOut">
               <a:rPr lang="en-DK" smtClean="0"/>
-              <a:t>10/06/2024</a:t>
+              <a:t>11/06/2024</a:t>
             </a:fld>
             <a:endParaRPr lang="en-DK"/>
           </a:p>
@@ -1825,7 +1830,7 @@
           <a:p>
             <a:fld id="{486AA96E-214A-424B-B8D1-8ECB9394F946}" type="datetimeFigureOut">
               <a:rPr lang="en-DK" smtClean="0"/>
-              <a:t>10/06/2024</a:t>
+              <a:t>11/06/2024</a:t>
             </a:fld>
             <a:endParaRPr lang="en-DK"/>
           </a:p>
@@ -1967,7 +1972,7 @@
           <a:p>
             <a:fld id="{486AA96E-214A-424B-B8D1-8ECB9394F946}" type="datetimeFigureOut">
               <a:rPr lang="en-DK" smtClean="0"/>
-              <a:t>10/06/2024</a:t>
+              <a:t>11/06/2024</a:t>
             </a:fld>
             <a:endParaRPr lang="en-DK"/>
           </a:p>
@@ -2080,7 +2085,7 @@
           <a:p>
             <a:fld id="{486AA96E-214A-424B-B8D1-8ECB9394F946}" type="datetimeFigureOut">
               <a:rPr lang="en-DK" smtClean="0"/>
-              <a:t>10/06/2024</a:t>
+              <a:t>11/06/2024</a:t>
             </a:fld>
             <a:endParaRPr lang="en-DK"/>
           </a:p>
@@ -2393,7 +2398,7 @@
           <a:p>
             <a:fld id="{486AA96E-214A-424B-B8D1-8ECB9394F946}" type="datetimeFigureOut">
               <a:rPr lang="en-DK" smtClean="0"/>
-              <a:t>10/06/2024</a:t>
+              <a:t>11/06/2024</a:t>
             </a:fld>
             <a:endParaRPr lang="en-DK"/>
           </a:p>
@@ -2682,7 +2687,7 @@
           <a:p>
             <a:fld id="{486AA96E-214A-424B-B8D1-8ECB9394F946}" type="datetimeFigureOut">
               <a:rPr lang="en-DK" smtClean="0"/>
-              <a:t>10/06/2024</a:t>
+              <a:t>11/06/2024</a:t>
             </a:fld>
             <a:endParaRPr lang="en-DK"/>
           </a:p>
@@ -2925,7 +2930,7 @@
           <a:p>
             <a:fld id="{486AA96E-214A-424B-B8D1-8ECB9394F946}" type="datetimeFigureOut">
               <a:rPr lang="en-DK" smtClean="0"/>
-              <a:t>10/06/2024</a:t>
+              <a:t>11/06/2024</a:t>
             </a:fld>
             <a:endParaRPr lang="en-DK"/>
           </a:p>
@@ -3391,10 +3396,10 @@
         </p:nvGrpSpPr>
         <p:grpSpPr>
           <a:xfrm>
-            <a:off x="890246" y="1606870"/>
-            <a:ext cx="1859323" cy="3140078"/>
+            <a:off x="642817" y="1606870"/>
+            <a:ext cx="1859323" cy="2508114"/>
             <a:chOff x="5211765" y="2203443"/>
-            <a:chExt cx="1260000" cy="2706679"/>
+            <a:chExt cx="1260000" cy="2161938"/>
           </a:xfrm>
         </p:grpSpPr>
         <p:grpSp>
@@ -3412,9 +3417,9 @@
           <p:grpSpPr>
             <a:xfrm>
               <a:off x="5211765" y="2203443"/>
-              <a:ext cx="1260000" cy="2706679"/>
+              <a:ext cx="1260000" cy="2161938"/>
               <a:chOff x="5811845" y="3003550"/>
-              <a:chExt cx="1260000" cy="2706679"/>
+              <a:chExt cx="1260000" cy="2161938"/>
             </a:xfrm>
           </p:grpSpPr>
           <p:pic>
@@ -3447,62 +3452,6 @@
               </a:prstGeom>
             </p:spPr>
           </p:pic>
-          <p:sp>
-            <p:nvSpPr>
-              <p:cNvPr id="8" name="Can 7">
-                <a:extLst>
-                  <a:ext uri="{FF2B5EF4-FFF2-40B4-BE49-F238E27FC236}">
-                    <a16:creationId xmlns:a16="http://schemas.microsoft.com/office/drawing/2014/main" id="{B23E18CA-DDAD-0F1F-78E5-DF56F8F874A3}"/>
-                  </a:ext>
-                </a:extLst>
-              </p:cNvPr>
-              <p:cNvSpPr/>
-              <p:nvPr/>
-            </p:nvSpPr>
-            <p:spPr>
-              <a:xfrm>
-                <a:off x="6144954" y="5127793"/>
-                <a:ext cx="593783" cy="582436"/>
-              </a:xfrm>
-              <a:prstGeom prst="can">
-                <a:avLst/>
-              </a:prstGeom>
-              <a:solidFill>
-                <a:schemeClr val="bg1">
-                  <a:lumMod val="85000"/>
-                </a:schemeClr>
-              </a:solidFill>
-              <a:ln>
-                <a:solidFill>
-                  <a:schemeClr val="tx1"/>
-                </a:solidFill>
-              </a:ln>
-            </p:spPr>
-            <p:style>
-              <a:lnRef idx="2">
-                <a:schemeClr val="accent1">
-                  <a:shade val="50000"/>
-                </a:schemeClr>
-              </a:lnRef>
-              <a:fillRef idx="1">
-                <a:schemeClr val="accent1"/>
-              </a:fillRef>
-              <a:effectRef idx="0">
-                <a:schemeClr val="accent1"/>
-              </a:effectRef>
-              <a:fontRef idx="minor">
-                <a:schemeClr val="lt1"/>
-              </a:fontRef>
-            </p:style>
-            <p:txBody>
-              <a:bodyPr rtlCol="0" anchor="ctr"/>
-              <a:lstStyle/>
-              <a:p>
-                <a:pPr algn="ctr"/>
-                <a:endParaRPr lang="en-DK"/>
-              </a:p>
-            </p:txBody>
-          </p:sp>
           <p:pic>
             <p:nvPicPr>
               <p:cNvPr id="9" name="Picture 8">
@@ -3525,7 +3474,7 @@
             </p:blipFill>
             <p:spPr>
               <a:xfrm>
-                <a:off x="5885378" y="4057586"/>
+                <a:off x="5885378" y="4583052"/>
                 <a:ext cx="1112935" cy="582436"/>
               </a:xfrm>
               <a:prstGeom prst="rect">
@@ -3544,60 +3493,14 @@
               </p:cNvPr>
               <p:cNvCxnSpPr>
                 <a:cxnSpLocks/>
+                <a:stCxn id="9" idx="0"/>
               </p:cNvCxnSpPr>
               <p:nvPr/>
             </p:nvCxnSpPr>
             <p:spPr>
-              <a:xfrm flipV="1">
+              <a:xfrm flipH="1" flipV="1">
                 <a:off x="6438905" y="3727607"/>
-                <a:ext cx="0" cy="315747"/>
-              </a:xfrm>
-              <a:prstGeom prst="straightConnector1">
-                <a:avLst/>
-              </a:prstGeom>
-              <a:ln w="19050">
-                <a:solidFill>
-                  <a:schemeClr val="bg1">
-                    <a:lumMod val="50000"/>
-                  </a:schemeClr>
-                </a:solidFill>
-                <a:headEnd type="triangle" w="med" len="med"/>
-                <a:tailEnd type="triangle" w="med" len="med"/>
-              </a:ln>
-            </p:spPr>
-            <p:style>
-              <a:lnRef idx="1">
-                <a:schemeClr val="accent1"/>
-              </a:lnRef>
-              <a:fillRef idx="0">
-                <a:schemeClr val="accent1"/>
-              </a:fillRef>
-              <a:effectRef idx="0">
-                <a:schemeClr val="accent1"/>
-              </a:effectRef>
-              <a:fontRef idx="minor">
-                <a:schemeClr val="tx1"/>
-              </a:fontRef>
-            </p:style>
-          </p:cxnSp>
-          <p:cxnSp>
-            <p:nvCxnSpPr>
-              <p:cNvPr id="11" name="Straight Arrow Connector 10">
-                <a:extLst>
-                  <a:ext uri="{FF2B5EF4-FFF2-40B4-BE49-F238E27FC236}">
-                    <a16:creationId xmlns:a16="http://schemas.microsoft.com/office/drawing/2014/main" id="{27A25B0D-BA8D-2B14-C0D8-537AB9B52E8E}"/>
-                  </a:ext>
-                </a:extLst>
-              </p:cNvPr>
-              <p:cNvCxnSpPr>
-                <a:cxnSpLocks/>
-              </p:cNvCxnSpPr>
-              <p:nvPr/>
-            </p:nvCxnSpPr>
-            <p:spPr>
-              <a:xfrm flipV="1">
-                <a:off x="6434139" y="4722978"/>
-                <a:ext cx="0" cy="315747"/>
+                <a:ext cx="2940" cy="855445"/>
               </a:xfrm>
               <a:prstGeom prst="straightConnector1">
                 <a:avLst/>
@@ -3642,7 +3545,7 @@
           </p:nvSpPr>
           <p:spPr>
             <a:xfrm>
-              <a:off x="5663888" y="3393048"/>
+              <a:off x="5663888" y="3918516"/>
               <a:ext cx="642938" cy="307777"/>
             </a:xfrm>
             <a:prstGeom prst="rect">
@@ -3679,7 +3582,7 @@
         <p:spPr>
           <a:xfrm>
             <a:off x="8144142" y="1334284"/>
-            <a:ext cx="3708872" cy="3139321"/>
+            <a:ext cx="3708872" cy="3693319"/>
           </a:xfrm>
           <a:prstGeom prst="rect">
             <a:avLst/>
@@ -3709,6 +3612,12 @@
           <a:p>
             <a:r>
               <a:rPr lang="en-DK" dirty="0"/>
+              <a:t>Scalability</a:t>
+            </a:r>
+          </a:p>
+          <a:p>
+            <a:r>
+              <a:rPr lang="en-DK" dirty="0"/>
               <a:t>Performance</a:t>
             </a:r>
           </a:p>
@@ -3735,6 +3644,12 @@
           </a:p>
           <a:p>
             <a:endParaRPr lang="en-DK" dirty="0"/>
+          </a:p>
+          <a:p>
+            <a:r>
+              <a:rPr lang="en-DK" dirty="0"/>
+              <a:t>Concurrency</a:t>
+            </a:r>
           </a:p>
           <a:p>
             <a:r>
@@ -3764,10 +3679,10 @@
         </p:nvGrpSpPr>
         <p:grpSpPr>
           <a:xfrm>
-            <a:off x="3580713" y="2339824"/>
-            <a:ext cx="3837760" cy="3844043"/>
-            <a:chOff x="3580713" y="2339824"/>
-            <a:chExt cx="3837760" cy="3844043"/>
+            <a:off x="3545161" y="2339824"/>
+            <a:ext cx="3873312" cy="3844043"/>
+            <a:chOff x="3545161" y="2339824"/>
+            <a:chExt cx="3873312" cy="3844043"/>
           </a:xfrm>
         </p:grpSpPr>
         <p:grpSp>
@@ -3784,10 +3699,10 @@
           </p:nvGrpSpPr>
           <p:grpSpPr>
             <a:xfrm>
-              <a:off x="3611324" y="2339824"/>
-              <a:ext cx="3518818" cy="2504323"/>
-              <a:chOff x="3143239" y="2339824"/>
-              <a:chExt cx="3518818" cy="2504323"/>
+              <a:off x="3545161" y="2339824"/>
+              <a:ext cx="3584981" cy="2504323"/>
+              <a:chOff x="3077076" y="2339824"/>
+              <a:chExt cx="3584981" cy="2504323"/>
             </a:xfrm>
           </p:grpSpPr>
           <p:grpSp>
@@ -3804,10 +3719,10 @@
             </p:nvGrpSpPr>
             <p:grpSpPr>
               <a:xfrm>
-                <a:off x="3422738" y="4241963"/>
-                <a:ext cx="2407733" cy="307777"/>
-                <a:chOff x="3281224" y="3697675"/>
-                <a:chExt cx="2407733" cy="307777"/>
+                <a:off x="3077076" y="4258897"/>
+                <a:ext cx="2753395" cy="276999"/>
+                <a:chOff x="2935562" y="3714609"/>
+                <a:chExt cx="2753395" cy="276999"/>
               </a:xfrm>
             </p:grpSpPr>
             <p:grpSp>
@@ -4067,8 +3982,8 @@
               </p:nvSpPr>
               <p:spPr>
                 <a:xfrm>
-                  <a:off x="3281224" y="3697675"/>
-                  <a:ext cx="659410" cy="307777"/>
+                  <a:off x="2935562" y="3714609"/>
+                  <a:ext cx="1259072" cy="276999"/>
                 </a:xfrm>
                 <a:prstGeom prst="rect">
                   <a:avLst/>
@@ -4082,8 +3997,8 @@
                 <a:lstStyle/>
                 <a:p>
                   <a:r>
-                    <a:rPr lang="en-DK" sz="1400" dirty="0"/>
-                    <a:t>State</a:t>
+                    <a:rPr lang="en-DK" sz="1200" dirty="0"/>
+                    <a:t>Shared State</a:t>
                   </a:r>
                 </a:p>
               </p:txBody>
@@ -4967,8 +4882,8 @@
             </p:nvCxnSpPr>
             <p:spPr>
               <a:xfrm flipV="1">
-                <a:off x="4489589" y="5341429"/>
-                <a:ext cx="704455" cy="369497"/>
+                <a:off x="4489589" y="5330017"/>
+                <a:ext cx="859470" cy="380909"/>
               </a:xfrm>
               <a:prstGeom prst="straightConnector1">
                 <a:avLst/>
@@ -5015,8 +4930,8 @@
             </p:nvCxnSpPr>
             <p:spPr>
               <a:xfrm>
-                <a:off x="5785757" y="5341429"/>
-                <a:ext cx="682800" cy="358085"/>
+                <a:off x="5587819" y="5330017"/>
+                <a:ext cx="880738" cy="369497"/>
               </a:xfrm>
               <a:prstGeom prst="straightConnector1">
                 <a:avLst/>
@@ -5060,9 +4975,9 @@
               <p:nvPr/>
             </p:nvSpPr>
             <p:spPr>
-              <a:xfrm>
-                <a:off x="5050976" y="5363201"/>
-                <a:ext cx="1119912" cy="276999"/>
+              <a:xfrm rot="20228520">
+                <a:off x="4568374" y="5220350"/>
+                <a:ext cx="1008396" cy="276999"/>
               </a:xfrm>
               <a:prstGeom prst="rect">
                 <a:avLst/>
@@ -5076,8 +4991,8 @@
               <a:lstStyle/>
               <a:p>
                 <a:r>
-                  <a:rPr lang="en-DK" sz="1200" dirty="0"/>
-                  <a:t>Write/Read</a:t>
+                  <a:rPr lang="en-DK" sz="1200" b="1" dirty="0"/>
+                  <a:t>Write</a:t>
                 </a:r>
               </a:p>
             </p:txBody>
@@ -5144,10 +5059,10 @@
         </p:nvGrpSpPr>
         <p:grpSpPr>
           <a:xfrm>
-            <a:off x="2699663" y="2810516"/>
-            <a:ext cx="846001" cy="677884"/>
+            <a:off x="2455419" y="2971481"/>
+            <a:ext cx="955460" cy="1595178"/>
             <a:chOff x="8534399" y="4454257"/>
-            <a:chExt cx="846001" cy="677884"/>
+            <a:chExt cx="955460" cy="746913"/>
           </a:xfrm>
         </p:grpSpPr>
         <p:cxnSp>
@@ -5211,7 +5126,7 @@
           <p:spPr>
             <a:xfrm>
               <a:off x="8534400" y="4844141"/>
-              <a:ext cx="846000" cy="288000"/>
+              <a:ext cx="955459" cy="357029"/>
             </a:xfrm>
             <a:prstGeom prst="line">
               <a:avLst/>
@@ -5241,6 +5156,76 @@
           </p:style>
         </p:cxnSp>
       </p:grpSp>
+      <p:sp>
+        <p:nvSpPr>
+          <p:cNvPr id="3" name="TextBox 2">
+            <a:extLst>
+              <a:ext uri="{FF2B5EF4-FFF2-40B4-BE49-F238E27FC236}">
+                <a16:creationId xmlns:a16="http://schemas.microsoft.com/office/drawing/2014/main" id="{54898FF9-5097-E7FE-E774-4C85F3009DEE}"/>
+              </a:ext>
+            </a:extLst>
+          </p:cNvPr>
+          <p:cNvSpPr txBox="1"/>
+          <p:nvPr/>
+        </p:nvSpPr>
+        <p:spPr>
+          <a:xfrm rot="1355223">
+            <a:off x="5777900" y="5487787"/>
+            <a:ext cx="1119912" cy="276999"/>
+          </a:xfrm>
+          <a:prstGeom prst="rect">
+            <a:avLst/>
+          </a:prstGeom>
+          <a:noFill/>
+        </p:spPr>
+        <p:txBody>
+          <a:bodyPr wrap="square" rtlCol="0">
+            <a:spAutoFit/>
+          </a:bodyPr>
+          <a:lstStyle/>
+          <a:p>
+            <a:r>
+              <a:rPr lang="en-DK" sz="1200" b="1" dirty="0"/>
+              <a:t>Read</a:t>
+            </a:r>
+          </a:p>
+        </p:txBody>
+      </p:sp>
+      <p:sp>
+        <p:nvSpPr>
+          <p:cNvPr id="50" name="TextBox 49">
+            <a:extLst>
+              <a:ext uri="{FF2B5EF4-FFF2-40B4-BE49-F238E27FC236}">
+                <a16:creationId xmlns:a16="http://schemas.microsoft.com/office/drawing/2014/main" id="{A9E33F27-83BE-F40B-BA53-15B321861624}"/>
+              </a:ext>
+            </a:extLst>
+          </p:cNvPr>
+          <p:cNvSpPr txBox="1"/>
+          <p:nvPr/>
+        </p:nvSpPr>
+        <p:spPr>
+          <a:xfrm>
+            <a:off x="4833896" y="1974947"/>
+            <a:ext cx="1410871" cy="307777"/>
+          </a:xfrm>
+          <a:prstGeom prst="rect">
+            <a:avLst/>
+          </a:prstGeom>
+          <a:noFill/>
+        </p:spPr>
+        <p:txBody>
+          <a:bodyPr wrap="square" rtlCol="0">
+            <a:spAutoFit/>
+          </a:bodyPr>
+          <a:lstStyle/>
+          <a:p>
+            <a:r>
+              <a:rPr lang="en-DK" sz="1400" b="1" dirty="0"/>
+              <a:t>Clusters ….</a:t>
+            </a:r>
+          </a:p>
+        </p:txBody>
+      </p:sp>
     </p:spTree>
     <p:extLst>
       <p:ext uri="{BB962C8B-B14F-4D97-AF65-F5344CB8AC3E}">

--- a/JsonWebDB.pptx
+++ b/JsonWebDB.pptx
@@ -6,6 +6,7 @@
   </p:sldMasterIdLst>
   <p:sldIdLst>
     <p:sldId id="256" r:id="rId2"/>
+    <p:sldId id="257" r:id="rId3"/>
   </p:sldIdLst>
   <p:sldSz cx="12192000" cy="6858000"/>
   <p:notesSz cx="6858000" cy="9144000"/>
@@ -261,7 +262,7 @@
           <a:p>
             <a:fld id="{486AA96E-214A-424B-B8D1-8ECB9394F946}" type="datetimeFigureOut">
               <a:rPr lang="en-DK" smtClean="0"/>
-              <a:t>11/06/2024</a:t>
+              <a:t>05/08/2024</a:t>
             </a:fld>
             <a:endParaRPr lang="en-DK"/>
           </a:p>
@@ -461,7 +462,7 @@
           <a:p>
             <a:fld id="{486AA96E-214A-424B-B8D1-8ECB9394F946}" type="datetimeFigureOut">
               <a:rPr lang="en-DK" smtClean="0"/>
-              <a:t>11/06/2024</a:t>
+              <a:t>05/08/2024</a:t>
             </a:fld>
             <a:endParaRPr lang="en-DK"/>
           </a:p>
@@ -671,7 +672,7 @@
           <a:p>
             <a:fld id="{486AA96E-214A-424B-B8D1-8ECB9394F946}" type="datetimeFigureOut">
               <a:rPr lang="en-DK" smtClean="0"/>
-              <a:t>11/06/2024</a:t>
+              <a:t>05/08/2024</a:t>
             </a:fld>
             <a:endParaRPr lang="en-DK"/>
           </a:p>
@@ -871,7 +872,7 @@
           <a:p>
             <a:fld id="{486AA96E-214A-424B-B8D1-8ECB9394F946}" type="datetimeFigureOut">
               <a:rPr lang="en-DK" smtClean="0"/>
-              <a:t>11/06/2024</a:t>
+              <a:t>05/08/2024</a:t>
             </a:fld>
             <a:endParaRPr lang="en-DK"/>
           </a:p>
@@ -1147,7 +1148,7 @@
           <a:p>
             <a:fld id="{486AA96E-214A-424B-B8D1-8ECB9394F946}" type="datetimeFigureOut">
               <a:rPr lang="en-DK" smtClean="0"/>
-              <a:t>11/06/2024</a:t>
+              <a:t>05/08/2024</a:t>
             </a:fld>
             <a:endParaRPr lang="en-DK"/>
           </a:p>
@@ -1415,7 +1416,7 @@
           <a:p>
             <a:fld id="{486AA96E-214A-424B-B8D1-8ECB9394F946}" type="datetimeFigureOut">
               <a:rPr lang="en-DK" smtClean="0"/>
-              <a:t>11/06/2024</a:t>
+              <a:t>05/08/2024</a:t>
             </a:fld>
             <a:endParaRPr lang="en-DK"/>
           </a:p>
@@ -1830,7 +1831,7 @@
           <a:p>
             <a:fld id="{486AA96E-214A-424B-B8D1-8ECB9394F946}" type="datetimeFigureOut">
               <a:rPr lang="en-DK" smtClean="0"/>
-              <a:t>11/06/2024</a:t>
+              <a:t>05/08/2024</a:t>
             </a:fld>
             <a:endParaRPr lang="en-DK"/>
           </a:p>
@@ -1972,7 +1973,7 @@
           <a:p>
             <a:fld id="{486AA96E-214A-424B-B8D1-8ECB9394F946}" type="datetimeFigureOut">
               <a:rPr lang="en-DK" smtClean="0"/>
-              <a:t>11/06/2024</a:t>
+              <a:t>05/08/2024</a:t>
             </a:fld>
             <a:endParaRPr lang="en-DK"/>
           </a:p>
@@ -2085,7 +2086,7 @@
           <a:p>
             <a:fld id="{486AA96E-214A-424B-B8D1-8ECB9394F946}" type="datetimeFigureOut">
               <a:rPr lang="en-DK" smtClean="0"/>
-              <a:t>11/06/2024</a:t>
+              <a:t>05/08/2024</a:t>
             </a:fld>
             <a:endParaRPr lang="en-DK"/>
           </a:p>
@@ -2398,7 +2399,7 @@
           <a:p>
             <a:fld id="{486AA96E-214A-424B-B8D1-8ECB9394F946}" type="datetimeFigureOut">
               <a:rPr lang="en-DK" smtClean="0"/>
-              <a:t>11/06/2024</a:t>
+              <a:t>05/08/2024</a:t>
             </a:fld>
             <a:endParaRPr lang="en-DK"/>
           </a:p>
@@ -2687,7 +2688,7 @@
           <a:p>
             <a:fld id="{486AA96E-214A-424B-B8D1-8ECB9394F946}" type="datetimeFigureOut">
               <a:rPr lang="en-DK" smtClean="0"/>
-              <a:t>11/06/2024</a:t>
+              <a:t>05/08/2024</a:t>
             </a:fld>
             <a:endParaRPr lang="en-DK"/>
           </a:p>
@@ -2930,7 +2931,7 @@
           <a:p>
             <a:fld id="{486AA96E-214A-424B-B8D1-8ECB9394F946}" type="datetimeFigureOut">
               <a:rPr lang="en-DK" smtClean="0"/>
-              <a:t>11/06/2024</a:t>
+              <a:t>05/08/2024</a:t>
             </a:fld>
             <a:endParaRPr lang="en-DK"/>
           </a:p>
@@ -3582,7 +3583,7 @@
         <p:spPr>
           <a:xfrm>
             <a:off x="8144142" y="1334284"/>
-            <a:ext cx="3708872" cy="3693319"/>
+            <a:ext cx="3708872" cy="4462760"/>
           </a:xfrm>
           <a:prstGeom prst="rect">
             <a:avLst/>
@@ -3596,8 +3597,17 @@
           <a:lstStyle/>
           <a:p>
             <a:r>
-              <a:rPr lang="en-DK" dirty="0"/>
+              <a:rPr lang="en-DK" b="1" dirty="0"/>
               <a:t>Microservice / Servlet</a:t>
+            </a:r>
+          </a:p>
+          <a:p>
+            <a:endParaRPr lang="en-DK" dirty="0"/>
+          </a:p>
+          <a:p>
+            <a:r>
+              <a:rPr lang="en-DK" sz="1600" b="1" i="1" dirty="0"/>
+              <a:t>Leverages all database features in a secure way</a:t>
             </a:r>
           </a:p>
           <a:p>
@@ -3627,23 +3637,23 @@
           <a:p>
             <a:r>
               <a:rPr lang="en-DK" dirty="0"/>
-              <a:t>Low/No code</a:t>
+              <a:t>Best Practices</a:t>
             </a:r>
           </a:p>
           <a:p>
             <a:r>
               <a:rPr lang="en-DK" dirty="0"/>
-              <a:t>Best Practices</a:t>
-            </a:r>
+              <a:t>Low/No/All code</a:t>
+            </a:r>
+          </a:p>
+          <a:p>
+            <a:endParaRPr lang="en-DK" dirty="0"/>
           </a:p>
           <a:p>
             <a:r>
               <a:rPr lang="en-DK" dirty="0"/>
-              <a:t>Leverage database</a:t>
-            </a:r>
-          </a:p>
-          <a:p>
-            <a:endParaRPr lang="en-DK" dirty="0"/>
+              <a:t>Transactions</a:t>
+            </a:r>
           </a:p>
           <a:p>
             <a:r>
@@ -5226,10 +5236,605 @@
           </a:p>
         </p:txBody>
       </p:sp>
+      <p:sp>
+        <p:nvSpPr>
+          <p:cNvPr id="8" name="TextBox 7">
+            <a:extLst>
+              <a:ext uri="{FF2B5EF4-FFF2-40B4-BE49-F238E27FC236}">
+                <a16:creationId xmlns:a16="http://schemas.microsoft.com/office/drawing/2014/main" id="{95C18792-D4EA-C84D-85E3-B971091964BE}"/>
+              </a:ext>
+            </a:extLst>
+          </p:cNvPr>
+          <p:cNvSpPr txBox="1"/>
+          <p:nvPr/>
+        </p:nvSpPr>
+        <p:spPr>
+          <a:xfrm>
+            <a:off x="448731" y="4461444"/>
+            <a:ext cx="2215571" cy="1877437"/>
+          </a:xfrm>
+          <a:prstGeom prst="rect">
+            <a:avLst/>
+          </a:prstGeom>
+          <a:noFill/>
+        </p:spPr>
+        <p:txBody>
+          <a:bodyPr wrap="square" rtlCol="0">
+            <a:spAutoFit/>
+          </a:bodyPr>
+          <a:lstStyle/>
+          <a:p>
+            <a:r>
+              <a:rPr lang="en-DK" sz="1600" b="1" dirty="0"/>
+              <a:t>Bonus features</a:t>
+            </a:r>
+          </a:p>
+          <a:p>
+            <a:endParaRPr lang="en-DK" dirty="0"/>
+          </a:p>
+          <a:p>
+            <a:pPr marL="285750" indent="-285750">
+              <a:buFont typeface="Arial" panose="020B0604020202020204" pitchFamily="34" charset="0"/>
+              <a:buChar char="•"/>
+            </a:pPr>
+            <a:r>
+              <a:rPr lang="en-DK" sz="1600" dirty="0"/>
+              <a:t>Plugins</a:t>
+            </a:r>
+          </a:p>
+          <a:p>
+            <a:pPr marL="285750" indent="-285750">
+              <a:buFont typeface="Arial" panose="020B0604020202020204" pitchFamily="34" charset="0"/>
+              <a:buChar char="•"/>
+            </a:pPr>
+            <a:r>
+              <a:rPr lang="en-DK" sz="1600" dirty="0"/>
+              <a:t>Caching</a:t>
+            </a:r>
+          </a:p>
+          <a:p>
+            <a:pPr marL="285750" indent="-285750">
+              <a:buFont typeface="Arial" panose="020B0604020202020204" pitchFamily="34" charset="0"/>
+              <a:buChar char="•"/>
+            </a:pPr>
+            <a:r>
+              <a:rPr lang="en-DK" sz="1600" dirty="0"/>
+              <a:t>Compression</a:t>
+            </a:r>
+          </a:p>
+          <a:p>
+            <a:pPr marL="285750" indent="-285750">
+              <a:buFont typeface="Arial" panose="020B0604020202020204" pitchFamily="34" charset="0"/>
+              <a:buChar char="•"/>
+            </a:pPr>
+            <a:r>
+              <a:rPr lang="en-DK" sz="1600" dirty="0"/>
+              <a:t>Upload/Download</a:t>
+            </a:r>
+          </a:p>
+          <a:p>
+            <a:endParaRPr lang="en-DK" dirty="0"/>
+          </a:p>
+        </p:txBody>
+      </p:sp>
     </p:spTree>
     <p:extLst>
       <p:ext uri="{BB962C8B-B14F-4D97-AF65-F5344CB8AC3E}">
         <p14:creationId xmlns:p14="http://schemas.microsoft.com/office/powerpoint/2010/main" val="4201340159"/>
+      </p:ext>
+    </p:extLst>
+  </p:cSld>
+  <p:clrMapOvr>
+    <a:masterClrMapping/>
+  </p:clrMapOvr>
+</p:sld>
+</file>
+
+<file path=ppt/slides/slide2.xml><?xml version="1.0" encoding="utf-8"?>
+<p:sld xmlns:a="http://schemas.openxmlformats.org/drawingml/2006/main" xmlns:r="http://schemas.openxmlformats.org/officeDocument/2006/relationships" xmlns:p="http://schemas.openxmlformats.org/presentationml/2006/main">
+  <p:cSld>
+    <p:spTree>
+      <p:nvGrpSpPr>
+        <p:cNvPr id="1" name=""/>
+        <p:cNvGrpSpPr/>
+        <p:nvPr/>
+      </p:nvGrpSpPr>
+      <p:grpSpPr>
+        <a:xfrm>
+          <a:off x="0" y="0"/>
+          <a:ext cx="0" cy="0"/>
+          <a:chOff x="0" y="0"/>
+          <a:chExt cx="0" cy="0"/>
+        </a:xfrm>
+      </p:grpSpPr>
+      <p:sp>
+        <p:nvSpPr>
+          <p:cNvPr id="2" name="Title 1">
+            <a:extLst>
+              <a:ext uri="{FF2B5EF4-FFF2-40B4-BE49-F238E27FC236}">
+                <a16:creationId xmlns:a16="http://schemas.microsoft.com/office/drawing/2014/main" id="{E005FF90-8622-C073-8E8E-70706D8755E6}"/>
+              </a:ext>
+            </a:extLst>
+          </p:cNvPr>
+          <p:cNvSpPr>
+            <a:spLocks noGrp="1"/>
+          </p:cNvSpPr>
+          <p:nvPr>
+            <p:ph type="ctrTitle"/>
+          </p:nvPr>
+        </p:nvSpPr>
+        <p:spPr>
+          <a:xfrm>
+            <a:off x="1524000" y="139594"/>
+            <a:ext cx="9144000" cy="441517"/>
+          </a:xfrm>
+        </p:spPr>
+        <p:txBody>
+          <a:bodyPr>
+            <a:normAutofit/>
+          </a:bodyPr>
+          <a:lstStyle/>
+          <a:p>
+            <a:r>
+              <a:rPr lang="en-DK" sz="2400" dirty="0"/>
+              <a:t>JsonDB Client</a:t>
+            </a:r>
+          </a:p>
+        </p:txBody>
+      </p:sp>
+      <p:grpSp>
+        <p:nvGrpSpPr>
+          <p:cNvPr id="4" name="Group 3">
+            <a:extLst>
+              <a:ext uri="{FF2B5EF4-FFF2-40B4-BE49-F238E27FC236}">
+                <a16:creationId xmlns:a16="http://schemas.microsoft.com/office/drawing/2014/main" id="{B65C29ED-E509-26C5-735D-C71F81265F88}"/>
+              </a:ext>
+            </a:extLst>
+          </p:cNvPr>
+          <p:cNvGrpSpPr/>
+          <p:nvPr/>
+        </p:nvGrpSpPr>
+        <p:grpSpPr>
+          <a:xfrm>
+            <a:off x="2818755" y="2707536"/>
+            <a:ext cx="1859323" cy="2508114"/>
+            <a:chOff x="5211765" y="2203443"/>
+            <a:chExt cx="1260000" cy="2161938"/>
+          </a:xfrm>
+        </p:grpSpPr>
+        <p:grpSp>
+          <p:nvGrpSpPr>
+            <p:cNvPr id="5" name="Group 4">
+              <a:extLst>
+                <a:ext uri="{FF2B5EF4-FFF2-40B4-BE49-F238E27FC236}">
+                  <a16:creationId xmlns:a16="http://schemas.microsoft.com/office/drawing/2014/main" id="{BCD5B021-5967-3A40-043A-DCD610E503C1}"/>
+                </a:ext>
+              </a:extLst>
+            </p:cNvPr>
+            <p:cNvGrpSpPr/>
+            <p:nvPr/>
+          </p:nvGrpSpPr>
+          <p:grpSpPr>
+            <a:xfrm>
+              <a:off x="5211765" y="2203443"/>
+              <a:ext cx="1260000" cy="2161938"/>
+              <a:chOff x="5811845" y="3003550"/>
+              <a:chExt cx="1260000" cy="2161938"/>
+            </a:xfrm>
+          </p:grpSpPr>
+          <p:pic>
+            <p:nvPicPr>
+              <p:cNvPr id="7" name="Picture 6">
+                <a:extLst>
+                  <a:ext uri="{FF2B5EF4-FFF2-40B4-BE49-F238E27FC236}">
+                    <a16:creationId xmlns:a16="http://schemas.microsoft.com/office/drawing/2014/main" id="{97299203-80E5-F654-337B-0A7B9E2F19E9}"/>
+                  </a:ext>
+                </a:extLst>
+              </p:cNvPr>
+              <p:cNvPicPr>
+                <a:picLocks noChangeAspect="1"/>
+              </p:cNvPicPr>
+              <p:nvPr/>
+            </p:nvPicPr>
+            <p:blipFill>
+              <a:blip r:embed="rId2"/>
+              <a:stretch>
+                <a:fillRect/>
+              </a:stretch>
+            </p:blipFill>
+            <p:spPr>
+              <a:xfrm>
+                <a:off x="5811845" y="3003550"/>
+                <a:ext cx="1260000" cy="694068"/>
+              </a:xfrm>
+              <a:prstGeom prst="rect">
+                <a:avLst/>
+              </a:prstGeom>
+            </p:spPr>
+          </p:pic>
+          <p:pic>
+            <p:nvPicPr>
+              <p:cNvPr id="9" name="Picture 8">
+                <a:extLst>
+                  <a:ext uri="{FF2B5EF4-FFF2-40B4-BE49-F238E27FC236}">
+                    <a16:creationId xmlns:a16="http://schemas.microsoft.com/office/drawing/2014/main" id="{65396999-12D9-9999-A8E3-916D0607CCF1}"/>
+                  </a:ext>
+                </a:extLst>
+              </p:cNvPr>
+              <p:cNvPicPr>
+                <a:picLocks noChangeAspect="1"/>
+              </p:cNvPicPr>
+              <p:nvPr/>
+            </p:nvPicPr>
+            <p:blipFill>
+              <a:blip r:embed="rId3"/>
+              <a:stretch>
+                <a:fillRect/>
+              </a:stretch>
+            </p:blipFill>
+            <p:spPr>
+              <a:xfrm>
+                <a:off x="5885378" y="4583052"/>
+                <a:ext cx="1112935" cy="582436"/>
+              </a:xfrm>
+              <a:prstGeom prst="rect">
+                <a:avLst/>
+              </a:prstGeom>
+            </p:spPr>
+          </p:pic>
+          <p:cxnSp>
+            <p:nvCxnSpPr>
+              <p:cNvPr id="10" name="Straight Arrow Connector 9">
+                <a:extLst>
+                  <a:ext uri="{FF2B5EF4-FFF2-40B4-BE49-F238E27FC236}">
+                    <a16:creationId xmlns:a16="http://schemas.microsoft.com/office/drawing/2014/main" id="{DD599A0C-2CA2-2712-B0EE-AE0953A99F81}"/>
+                  </a:ext>
+                </a:extLst>
+              </p:cNvPr>
+              <p:cNvCxnSpPr>
+                <a:cxnSpLocks/>
+                <a:stCxn id="9" idx="0"/>
+              </p:cNvCxnSpPr>
+              <p:nvPr/>
+            </p:nvCxnSpPr>
+            <p:spPr>
+              <a:xfrm flipH="1" flipV="1">
+                <a:off x="6438905" y="3727607"/>
+                <a:ext cx="2940" cy="855445"/>
+              </a:xfrm>
+              <a:prstGeom prst="straightConnector1">
+                <a:avLst/>
+              </a:prstGeom>
+              <a:ln w="19050">
+                <a:solidFill>
+                  <a:schemeClr val="bg1">
+                    <a:lumMod val="50000"/>
+                  </a:schemeClr>
+                </a:solidFill>
+                <a:headEnd type="triangle" w="med" len="med"/>
+                <a:tailEnd type="triangle" w="med" len="med"/>
+              </a:ln>
+            </p:spPr>
+            <p:style>
+              <a:lnRef idx="1">
+                <a:schemeClr val="accent1"/>
+              </a:lnRef>
+              <a:fillRef idx="0">
+                <a:schemeClr val="accent1"/>
+              </a:fillRef>
+              <a:effectRef idx="0">
+                <a:schemeClr val="accent1"/>
+              </a:effectRef>
+              <a:fontRef idx="minor">
+                <a:schemeClr val="tx1"/>
+              </a:fontRef>
+            </p:style>
+          </p:cxnSp>
+        </p:grpSp>
+        <p:sp>
+          <p:nvSpPr>
+            <p:cNvPr id="6" name="TextBox 5">
+              <a:extLst>
+                <a:ext uri="{FF2B5EF4-FFF2-40B4-BE49-F238E27FC236}">
+                  <a16:creationId xmlns:a16="http://schemas.microsoft.com/office/drawing/2014/main" id="{76D2A2D2-B826-D95D-77F0-1E8327A4AA1E}"/>
+                </a:ext>
+              </a:extLst>
+            </p:cNvPr>
+            <p:cNvSpPr txBox="1"/>
+            <p:nvPr/>
+          </p:nvSpPr>
+          <p:spPr>
+            <a:xfrm>
+              <a:off x="5663888" y="3918516"/>
+              <a:ext cx="642938" cy="307777"/>
+            </a:xfrm>
+            <a:prstGeom prst="rect">
+              <a:avLst/>
+            </a:prstGeom>
+            <a:noFill/>
+          </p:spPr>
+          <p:txBody>
+            <a:bodyPr wrap="square" rtlCol="0">
+              <a:spAutoFit/>
+            </a:bodyPr>
+            <a:lstStyle/>
+            <a:p>
+              <a:r>
+                <a:rPr lang="en-DK" sz="1400" b="1" dirty="0"/>
+                <a:t>Rest</a:t>
+              </a:r>
+            </a:p>
+          </p:txBody>
+        </p:sp>
+      </p:grpSp>
+      <p:grpSp>
+        <p:nvGrpSpPr>
+          <p:cNvPr id="84" name="Group 83">
+            <a:extLst>
+              <a:ext uri="{FF2B5EF4-FFF2-40B4-BE49-F238E27FC236}">
+                <a16:creationId xmlns:a16="http://schemas.microsoft.com/office/drawing/2014/main" id="{DC76BD97-2039-FA07-CB7D-1F55B320A353}"/>
+              </a:ext>
+            </a:extLst>
+          </p:cNvPr>
+          <p:cNvGrpSpPr/>
+          <p:nvPr/>
+        </p:nvGrpSpPr>
+        <p:grpSpPr>
+          <a:xfrm>
+            <a:off x="4716024" y="2328011"/>
+            <a:ext cx="955460" cy="1595178"/>
+            <a:chOff x="8534399" y="4454257"/>
+            <a:chExt cx="955460" cy="746913"/>
+          </a:xfrm>
+        </p:grpSpPr>
+        <p:cxnSp>
+          <p:nvCxnSpPr>
+            <p:cNvPr id="76" name="Straight Connector 75">
+              <a:extLst>
+                <a:ext uri="{FF2B5EF4-FFF2-40B4-BE49-F238E27FC236}">
+                  <a16:creationId xmlns:a16="http://schemas.microsoft.com/office/drawing/2014/main" id="{F4430742-516C-D3F1-92A9-8E79085FEAC0}"/>
+                </a:ext>
+              </a:extLst>
+            </p:cNvPr>
+            <p:cNvCxnSpPr/>
+            <p:nvPr/>
+          </p:nvCxnSpPr>
+          <p:spPr>
+            <a:xfrm flipV="1">
+              <a:off x="8534399" y="4454257"/>
+              <a:ext cx="846000" cy="396000"/>
+            </a:xfrm>
+            <a:prstGeom prst="line">
+              <a:avLst/>
+            </a:prstGeom>
+            <a:ln>
+              <a:solidFill>
+                <a:schemeClr val="tx1">
+                  <a:lumMod val="50000"/>
+                  <a:lumOff val="50000"/>
+                </a:schemeClr>
+              </a:solidFill>
+            </a:ln>
+          </p:spPr>
+          <p:style>
+            <a:lnRef idx="2">
+              <a:schemeClr val="accent1"/>
+            </a:lnRef>
+            <a:fillRef idx="0">
+              <a:schemeClr val="accent1"/>
+            </a:fillRef>
+            <a:effectRef idx="1">
+              <a:schemeClr val="accent1"/>
+            </a:effectRef>
+            <a:fontRef idx="minor">
+              <a:schemeClr val="tx1"/>
+            </a:fontRef>
+          </p:style>
+        </p:cxnSp>
+        <p:cxnSp>
+          <p:nvCxnSpPr>
+            <p:cNvPr id="77" name="Straight Connector 76">
+              <a:extLst>
+                <a:ext uri="{FF2B5EF4-FFF2-40B4-BE49-F238E27FC236}">
+                  <a16:creationId xmlns:a16="http://schemas.microsoft.com/office/drawing/2014/main" id="{B8799C62-47E9-D426-B18A-CAD883AB37DC}"/>
+                </a:ext>
+              </a:extLst>
+            </p:cNvPr>
+            <p:cNvCxnSpPr>
+              <a:cxnSpLocks/>
+            </p:cNvCxnSpPr>
+            <p:nvPr/>
+          </p:nvCxnSpPr>
+          <p:spPr>
+            <a:xfrm>
+              <a:off x="8534400" y="4844141"/>
+              <a:ext cx="955459" cy="357029"/>
+            </a:xfrm>
+            <a:prstGeom prst="line">
+              <a:avLst/>
+            </a:prstGeom>
+            <a:ln>
+              <a:solidFill>
+                <a:schemeClr val="tx1">
+                  <a:lumMod val="50000"/>
+                  <a:lumOff val="50000"/>
+                </a:schemeClr>
+              </a:solidFill>
+            </a:ln>
+          </p:spPr>
+          <p:style>
+            <a:lnRef idx="2">
+              <a:schemeClr val="accent1"/>
+            </a:lnRef>
+            <a:fillRef idx="0">
+              <a:schemeClr val="accent1"/>
+            </a:fillRef>
+            <a:effectRef idx="1">
+              <a:schemeClr val="accent1"/>
+            </a:effectRef>
+            <a:fontRef idx="minor">
+              <a:schemeClr val="tx1"/>
+            </a:fontRef>
+          </p:style>
+        </p:cxnSp>
+      </p:grpSp>
+      <p:sp>
+        <p:nvSpPr>
+          <p:cNvPr id="8" name="TextBox 7">
+            <a:extLst>
+              <a:ext uri="{FF2B5EF4-FFF2-40B4-BE49-F238E27FC236}">
+                <a16:creationId xmlns:a16="http://schemas.microsoft.com/office/drawing/2014/main" id="{764C30B4-5BBB-387B-0333-050819435B24}"/>
+              </a:ext>
+            </a:extLst>
+          </p:cNvPr>
+          <p:cNvSpPr txBox="1"/>
+          <p:nvPr/>
+        </p:nvSpPr>
+        <p:spPr>
+          <a:xfrm>
+            <a:off x="6451604" y="1901658"/>
+            <a:ext cx="3026729" cy="3570208"/>
+          </a:xfrm>
+          <a:prstGeom prst="rect">
+            <a:avLst/>
+          </a:prstGeom>
+          <a:noFill/>
+        </p:spPr>
+        <p:txBody>
+          <a:bodyPr wrap="square" rtlCol="0">
+            <a:spAutoFit/>
+          </a:bodyPr>
+          <a:lstStyle/>
+          <a:p>
+            <a:r>
+              <a:rPr lang="en-DK" b="1" dirty="0"/>
+              <a:t>Client Objects:</a:t>
+            </a:r>
+          </a:p>
+          <a:p>
+            <a:pPr marL="285750" indent="-285750">
+              <a:buFont typeface="Arial" panose="020B0604020202020204" pitchFamily="34" charset="0"/>
+              <a:buChar char="•"/>
+            </a:pPr>
+            <a:endParaRPr lang="en-DK" b="1" dirty="0"/>
+          </a:p>
+          <a:p>
+            <a:pPr marL="285750" indent="-285750">
+              <a:buFont typeface="Arial" panose="020B0604020202020204" pitchFamily="34" charset="0"/>
+              <a:buChar char="•"/>
+            </a:pPr>
+            <a:r>
+              <a:rPr lang="en-DK" b="1" dirty="0"/>
+              <a:t>Session</a:t>
+            </a:r>
+            <a:endParaRPr lang="en-DK" dirty="0"/>
+          </a:p>
+          <a:p>
+            <a:pPr marL="285750" indent="-285750">
+              <a:buFont typeface="Arial" panose="020B0604020202020204" pitchFamily="34" charset="0"/>
+              <a:buChar char="•"/>
+            </a:pPr>
+            <a:r>
+              <a:rPr lang="en-DK" b="1" dirty="0"/>
+              <a:t>Table</a:t>
+            </a:r>
+          </a:p>
+          <a:p>
+            <a:pPr marL="742950" lvl="1" indent="-285750">
+              <a:buFont typeface="Arial" panose="020B0604020202020204" pitchFamily="34" charset="0"/>
+              <a:buChar char="•"/>
+            </a:pPr>
+            <a:r>
+              <a:rPr lang="en-DK" sz="1600" b="1" dirty="0"/>
+              <a:t>Query</a:t>
+            </a:r>
+          </a:p>
+          <a:p>
+            <a:pPr marL="742950" lvl="1" indent="-285750">
+              <a:buFont typeface="Arial" panose="020B0604020202020204" pitchFamily="34" charset="0"/>
+              <a:buChar char="•"/>
+            </a:pPr>
+            <a:r>
+              <a:rPr lang="en-DK" sz="1600" b="1" dirty="0"/>
+              <a:t>Insert</a:t>
+            </a:r>
+          </a:p>
+          <a:p>
+            <a:pPr marL="742950" lvl="1" indent="-285750">
+              <a:buFont typeface="Arial" panose="020B0604020202020204" pitchFamily="34" charset="0"/>
+              <a:buChar char="•"/>
+            </a:pPr>
+            <a:r>
+              <a:rPr lang="en-DK" sz="1600" b="1" dirty="0"/>
+              <a:t>Update</a:t>
+            </a:r>
+          </a:p>
+          <a:p>
+            <a:pPr marL="742950" lvl="1" indent="-285750">
+              <a:buFont typeface="Arial" panose="020B0604020202020204" pitchFamily="34" charset="0"/>
+              <a:buChar char="•"/>
+            </a:pPr>
+            <a:r>
+              <a:rPr lang="en-DK" sz="1600" b="1" dirty="0"/>
+              <a:t>Delete</a:t>
+            </a:r>
+          </a:p>
+          <a:p>
+            <a:pPr marL="285750" indent="-285750">
+              <a:buFont typeface="Arial" panose="020B0604020202020204" pitchFamily="34" charset="0"/>
+              <a:buChar char="•"/>
+            </a:pPr>
+            <a:endParaRPr lang="en-DK" dirty="0"/>
+          </a:p>
+          <a:p>
+            <a:pPr marL="285750" indent="-285750">
+              <a:buFont typeface="Arial" panose="020B0604020202020204" pitchFamily="34" charset="0"/>
+              <a:buChar char="•"/>
+            </a:pPr>
+            <a:r>
+              <a:rPr lang="en-DK" b="1" dirty="0"/>
+              <a:t>AnySQL</a:t>
+            </a:r>
+            <a:endParaRPr lang="en-DK" dirty="0"/>
+          </a:p>
+          <a:p>
+            <a:pPr marL="285750" indent="-285750">
+              <a:buFont typeface="Arial" panose="020B0604020202020204" pitchFamily="34" charset="0"/>
+              <a:buChar char="•"/>
+            </a:pPr>
+            <a:r>
+              <a:rPr lang="en-DK" b="1" dirty="0"/>
+              <a:t>Function</a:t>
+            </a:r>
+            <a:endParaRPr lang="en-DK" dirty="0"/>
+          </a:p>
+          <a:p>
+            <a:pPr marL="285750" indent="-285750">
+              <a:buFont typeface="Arial" panose="020B0604020202020204" pitchFamily="34" charset="0"/>
+              <a:buChar char="•"/>
+            </a:pPr>
+            <a:r>
+              <a:rPr lang="en-DK" b="1" dirty="0"/>
+              <a:t>Procedure</a:t>
+            </a:r>
+            <a:endParaRPr lang="en-DK" dirty="0"/>
+          </a:p>
+          <a:p>
+            <a:pPr marL="285750" indent="-285750">
+              <a:buFont typeface="Arial" panose="020B0604020202020204" pitchFamily="34" charset="0"/>
+              <a:buChar char="•"/>
+            </a:pPr>
+            <a:r>
+              <a:rPr lang="en-DK" b="1" dirty="0"/>
+              <a:t>Custom</a:t>
+            </a:r>
+          </a:p>
+        </p:txBody>
+      </p:sp>
+    </p:spTree>
+    <p:extLst>
+      <p:ext uri="{BB962C8B-B14F-4D97-AF65-F5344CB8AC3E}">
+        <p14:creationId xmlns:p14="http://schemas.microsoft.com/office/powerpoint/2010/main" val="2102116933"/>
       </p:ext>
     </p:extLst>
   </p:cSld>

--- a/JsonWebDB.pptx
+++ b/JsonWebDB.pptx
@@ -262,7 +262,7 @@
           <a:p>
             <a:fld id="{486AA96E-214A-424B-B8D1-8ECB9394F946}" type="datetimeFigureOut">
               <a:rPr lang="en-DK" smtClean="0"/>
-              <a:t>05/08/2024</a:t>
+              <a:t>22/08/2024</a:t>
             </a:fld>
             <a:endParaRPr lang="en-DK"/>
           </a:p>
@@ -462,7 +462,7 @@
           <a:p>
             <a:fld id="{486AA96E-214A-424B-B8D1-8ECB9394F946}" type="datetimeFigureOut">
               <a:rPr lang="en-DK" smtClean="0"/>
-              <a:t>05/08/2024</a:t>
+              <a:t>22/08/2024</a:t>
             </a:fld>
             <a:endParaRPr lang="en-DK"/>
           </a:p>
@@ -672,7 +672,7 @@
           <a:p>
             <a:fld id="{486AA96E-214A-424B-B8D1-8ECB9394F946}" type="datetimeFigureOut">
               <a:rPr lang="en-DK" smtClean="0"/>
-              <a:t>05/08/2024</a:t>
+              <a:t>22/08/2024</a:t>
             </a:fld>
             <a:endParaRPr lang="en-DK"/>
           </a:p>
@@ -872,7 +872,7 @@
           <a:p>
             <a:fld id="{486AA96E-214A-424B-B8D1-8ECB9394F946}" type="datetimeFigureOut">
               <a:rPr lang="en-DK" smtClean="0"/>
-              <a:t>05/08/2024</a:t>
+              <a:t>22/08/2024</a:t>
             </a:fld>
             <a:endParaRPr lang="en-DK"/>
           </a:p>
@@ -1148,7 +1148,7 @@
           <a:p>
             <a:fld id="{486AA96E-214A-424B-B8D1-8ECB9394F946}" type="datetimeFigureOut">
               <a:rPr lang="en-DK" smtClean="0"/>
-              <a:t>05/08/2024</a:t>
+              <a:t>22/08/2024</a:t>
             </a:fld>
             <a:endParaRPr lang="en-DK"/>
           </a:p>
@@ -1416,7 +1416,7 @@
           <a:p>
             <a:fld id="{486AA96E-214A-424B-B8D1-8ECB9394F946}" type="datetimeFigureOut">
               <a:rPr lang="en-DK" smtClean="0"/>
-              <a:t>05/08/2024</a:t>
+              <a:t>22/08/2024</a:t>
             </a:fld>
             <a:endParaRPr lang="en-DK"/>
           </a:p>
@@ -1831,7 +1831,7 @@
           <a:p>
             <a:fld id="{486AA96E-214A-424B-B8D1-8ECB9394F946}" type="datetimeFigureOut">
               <a:rPr lang="en-DK" smtClean="0"/>
-              <a:t>05/08/2024</a:t>
+              <a:t>22/08/2024</a:t>
             </a:fld>
             <a:endParaRPr lang="en-DK"/>
           </a:p>
@@ -1973,7 +1973,7 @@
           <a:p>
             <a:fld id="{486AA96E-214A-424B-B8D1-8ECB9394F946}" type="datetimeFigureOut">
               <a:rPr lang="en-DK" smtClean="0"/>
-              <a:t>05/08/2024</a:t>
+              <a:t>22/08/2024</a:t>
             </a:fld>
             <a:endParaRPr lang="en-DK"/>
           </a:p>
@@ -2086,7 +2086,7 @@
           <a:p>
             <a:fld id="{486AA96E-214A-424B-B8D1-8ECB9394F946}" type="datetimeFigureOut">
               <a:rPr lang="en-DK" smtClean="0"/>
-              <a:t>05/08/2024</a:t>
+              <a:t>22/08/2024</a:t>
             </a:fld>
             <a:endParaRPr lang="en-DK"/>
           </a:p>
@@ -2399,7 +2399,7 @@
           <a:p>
             <a:fld id="{486AA96E-214A-424B-B8D1-8ECB9394F946}" type="datetimeFigureOut">
               <a:rPr lang="en-DK" smtClean="0"/>
-              <a:t>05/08/2024</a:t>
+              <a:t>22/08/2024</a:t>
             </a:fld>
             <a:endParaRPr lang="en-DK"/>
           </a:p>
@@ -2688,7 +2688,7 @@
           <a:p>
             <a:fld id="{486AA96E-214A-424B-B8D1-8ECB9394F946}" type="datetimeFigureOut">
               <a:rPr lang="en-DK" smtClean="0"/>
-              <a:t>05/08/2024</a:t>
+              <a:t>22/08/2024</a:t>
             </a:fld>
             <a:endParaRPr lang="en-DK"/>
           </a:p>
@@ -2931,7 +2931,7 @@
           <a:p>
             <a:fld id="{486AA96E-214A-424B-B8D1-8ECB9394F946}" type="datetimeFigureOut">
               <a:rPr lang="en-DK" smtClean="0"/>
-              <a:t>05/08/2024</a:t>
+              <a:t>22/08/2024</a:t>
             </a:fld>
             <a:endParaRPr lang="en-DK"/>
           </a:p>
@@ -5317,6 +5317,159 @@
           </a:p>
         </p:txBody>
       </p:sp>
+      <p:sp>
+        <p:nvSpPr>
+          <p:cNvPr id="11" name="TextBox 10">
+            <a:extLst>
+              <a:ext uri="{FF2B5EF4-FFF2-40B4-BE49-F238E27FC236}">
+                <a16:creationId xmlns:a16="http://schemas.microsoft.com/office/drawing/2014/main" id="{85EB7492-FFE6-4062-8AB6-1BBEC076681E}"/>
+              </a:ext>
+            </a:extLst>
+          </p:cNvPr>
+          <p:cNvSpPr txBox="1"/>
+          <p:nvPr/>
+        </p:nvSpPr>
+        <p:spPr>
+          <a:xfrm>
+            <a:off x="2664301" y="1334284"/>
+            <a:ext cx="1259073" cy="276999"/>
+          </a:xfrm>
+          <a:prstGeom prst="rect">
+            <a:avLst/>
+          </a:prstGeom>
+          <a:noFill/>
+        </p:spPr>
+        <p:txBody>
+          <a:bodyPr wrap="square" rtlCol="0">
+            <a:spAutoFit/>
+          </a:bodyPr>
+          <a:lstStyle/>
+          <a:p>
+            <a:r>
+              <a:rPr lang="en-DK" sz="1200" dirty="0"/>
+              <a:t>FutureForms.js</a:t>
+            </a:r>
+          </a:p>
+        </p:txBody>
+      </p:sp>
+      <p:cxnSp>
+        <p:nvCxnSpPr>
+          <p:cNvPr id="24" name="Straight Arrow Connector 23">
+            <a:extLst>
+              <a:ext uri="{FF2B5EF4-FFF2-40B4-BE49-F238E27FC236}">
+                <a16:creationId xmlns:a16="http://schemas.microsoft.com/office/drawing/2014/main" id="{B3117784-6789-6130-0D3A-84D7ECE9B8B9}"/>
+              </a:ext>
+            </a:extLst>
+          </p:cNvPr>
+          <p:cNvCxnSpPr>
+            <a:endCxn id="7" idx="3"/>
+          </p:cNvCxnSpPr>
+          <p:nvPr/>
+        </p:nvCxnSpPr>
+        <p:spPr>
+          <a:xfrm flipH="1">
+            <a:off x="2502140" y="1606870"/>
+            <a:ext cx="465775" cy="402602"/>
+          </a:xfrm>
+          <a:prstGeom prst="straightConnector1">
+            <a:avLst/>
+          </a:prstGeom>
+          <a:ln>
+            <a:tailEnd type="triangle"/>
+          </a:ln>
+        </p:spPr>
+        <p:style>
+          <a:lnRef idx="2">
+            <a:schemeClr val="accent1"/>
+          </a:lnRef>
+          <a:fillRef idx="0">
+            <a:schemeClr val="accent1"/>
+          </a:fillRef>
+          <a:effectRef idx="1">
+            <a:schemeClr val="accent1"/>
+          </a:effectRef>
+          <a:fontRef idx="minor">
+            <a:schemeClr val="tx1"/>
+          </a:fontRef>
+        </p:style>
+      </p:cxnSp>
+      <p:sp>
+        <p:nvSpPr>
+          <p:cNvPr id="36" name="TextBox 35">
+            <a:extLst>
+              <a:ext uri="{FF2B5EF4-FFF2-40B4-BE49-F238E27FC236}">
+                <a16:creationId xmlns:a16="http://schemas.microsoft.com/office/drawing/2014/main" id="{C39A13E5-028D-AAA1-6D65-350FD078FD1B}"/>
+              </a:ext>
+            </a:extLst>
+          </p:cNvPr>
+          <p:cNvSpPr txBox="1"/>
+          <p:nvPr/>
+        </p:nvSpPr>
+        <p:spPr>
+          <a:xfrm>
+            <a:off x="160595" y="2978674"/>
+            <a:ext cx="1259073" cy="276999"/>
+          </a:xfrm>
+          <a:prstGeom prst="rect">
+            <a:avLst/>
+          </a:prstGeom>
+          <a:noFill/>
+        </p:spPr>
+        <p:txBody>
+          <a:bodyPr wrap="square" rtlCol="0">
+            <a:spAutoFit/>
+          </a:bodyPr>
+          <a:lstStyle/>
+          <a:p>
+            <a:r>
+              <a:rPr lang="en-DK" sz="1200" dirty="0"/>
+              <a:t>Application.java</a:t>
+            </a:r>
+          </a:p>
+        </p:txBody>
+      </p:sp>
+      <p:cxnSp>
+        <p:nvCxnSpPr>
+          <p:cNvPr id="38" name="Straight Arrow Connector 37">
+            <a:extLst>
+              <a:ext uri="{FF2B5EF4-FFF2-40B4-BE49-F238E27FC236}">
+                <a16:creationId xmlns:a16="http://schemas.microsoft.com/office/drawing/2014/main" id="{DA135E8C-5481-1353-BBED-C75AD375B40F}"/>
+              </a:ext>
+            </a:extLst>
+          </p:cNvPr>
+          <p:cNvCxnSpPr>
+            <a:cxnSpLocks/>
+            <a:stCxn id="36" idx="2"/>
+          </p:cNvCxnSpPr>
+          <p:nvPr/>
+        </p:nvCxnSpPr>
+        <p:spPr>
+          <a:xfrm>
+            <a:off x="790132" y="3255673"/>
+            <a:ext cx="756091" cy="340893"/>
+          </a:xfrm>
+          <a:prstGeom prst="straightConnector1">
+            <a:avLst/>
+          </a:prstGeom>
+          <a:ln>
+            <a:tailEnd type="triangle"/>
+          </a:ln>
+        </p:spPr>
+        <p:style>
+          <a:lnRef idx="2">
+            <a:schemeClr val="accent1"/>
+          </a:lnRef>
+          <a:fillRef idx="0">
+            <a:schemeClr val="accent1"/>
+          </a:fillRef>
+          <a:effectRef idx="1">
+            <a:schemeClr val="accent1"/>
+          </a:effectRef>
+          <a:fontRef idx="minor">
+            <a:schemeClr val="tx1"/>
+          </a:fontRef>
+        </p:style>
+      </p:cxnSp>
     </p:spTree>
     <p:extLst>
       <p:ext uri="{BB962C8B-B14F-4D97-AF65-F5344CB8AC3E}">

--- a/JsonWebDB.pptx
+++ b/JsonWebDB.pptx
@@ -5251,7 +5251,7 @@
         <p:spPr>
           <a:xfrm>
             <a:off x="448731" y="4461444"/>
-            <a:ext cx="2215571" cy="1877437"/>
+            <a:ext cx="2215571" cy="1631216"/>
           </a:xfrm>
           <a:prstGeom prst="rect">
             <a:avLst/>
@@ -5278,19 +5278,10 @@
               <a:buChar char="•"/>
             </a:pPr>
             <a:r>
-              <a:rPr lang="en-DK" sz="1600" dirty="0"/>
-              <a:t>Plugins</a:t>
-            </a:r>
-          </a:p>
-          <a:p>
-            <a:pPr marL="285750" indent="-285750">
-              <a:buFont typeface="Arial" panose="020B0604020202020204" pitchFamily="34" charset="0"/>
-              <a:buChar char="•"/>
-            </a:pPr>
-            <a:r>
-              <a:rPr lang="en-DK" sz="1600" dirty="0"/>
+              <a:rPr lang="en-DK" sz="1600"/>
               <a:t>Caching</a:t>
             </a:r>
+            <a:endParaRPr lang="en-DK" sz="1600" dirty="0"/>
           </a:p>
           <a:p>
             <a:pPr marL="285750" indent="-285750">
@@ -5375,6 +5366,11 @@
             <a:avLst/>
           </a:prstGeom>
           <a:ln>
+            <a:solidFill>
+              <a:schemeClr val="bg1">
+                <a:lumMod val="50000"/>
+              </a:schemeClr>
+            </a:solidFill>
             <a:tailEnd type="triangle"/>
           </a:ln>
         </p:spPr>
@@ -5452,6 +5448,11 @@
             <a:avLst/>
           </a:prstGeom>
           <a:ln>
+            <a:solidFill>
+              <a:schemeClr val="bg1">
+                <a:lumMod val="50000"/>
+              </a:schemeClr>
+            </a:solidFill>
             <a:tailEnd type="triangle"/>
           </a:ln>
         </p:spPr>
